--- a/CapstonePresentation-Tokyo.pptx
+++ b/CapstonePresentation-Tokyo.pptx
@@ -8,6 +8,18 @@
     <p:sldId id="256" r:id="rId2"/>
     <p:sldId id="257" r:id="rId3"/>
     <p:sldId id="258" r:id="rId4"/>
+    <p:sldId id="259" r:id="rId5"/>
+    <p:sldId id="260" r:id="rId6"/>
+    <p:sldId id="261" r:id="rId7"/>
+    <p:sldId id="262" r:id="rId8"/>
+    <p:sldId id="263" r:id="rId9"/>
+    <p:sldId id="264" r:id="rId10"/>
+    <p:sldId id="265" r:id="rId11"/>
+    <p:sldId id="266" r:id="rId12"/>
+    <p:sldId id="268" r:id="rId13"/>
+    <p:sldId id="271" r:id="rId14"/>
+    <p:sldId id="269" r:id="rId15"/>
+    <p:sldId id="270" r:id="rId16"/>
   </p:sldIdLst>
   <p:sldSz cx="12192000" cy="6858000"/>
   <p:notesSz cx="6858000" cy="9144000"/>
@@ -106,6 +118,11 @@
       </a:defRPr>
     </a:lvl9pPr>
   </p:defaultTextStyle>
+  <p:extLst>
+    <p:ext uri="{EFAFB233-063F-42B5-8137-9DF3F51BA10A}">
+      <p15:sldGuideLst xmlns:p15="http://schemas.microsoft.com/office/powerpoint/2012/main"/>
+    </p:ext>
+  </p:extLst>
 </p:presentation>
 </file>
 
@@ -20564,14 +20581,162 @@
           </a:p>
         </p:txBody>
       </p:sp>
+    </p:spTree>
+    <p:extLst>
+      <p:ext uri="{BB962C8B-B14F-4D97-AF65-F5344CB8AC3E}">
+        <p14:creationId xmlns:p14="http://schemas.microsoft.com/office/powerpoint/2010/main" val="2930749203"/>
+      </p:ext>
+    </p:extLst>
+  </p:cSld>
+  <p:clrMapOvr>
+    <a:masterClrMapping/>
+  </p:clrMapOvr>
+</p:sld>
+</file>
+
+<file path=ppt/slides/slide10.xml><?xml version="1.0" encoding="utf-8"?>
+<p:sld xmlns:a="http://schemas.openxmlformats.org/drawingml/2006/main" xmlns:r="http://schemas.openxmlformats.org/officeDocument/2006/relationships" xmlns:p="http://schemas.openxmlformats.org/presentationml/2006/main">
+  <p:cSld>
+    <p:spTree>
+      <p:nvGrpSpPr>
+        <p:cNvPr id="1" name=""/>
+        <p:cNvGrpSpPr/>
+        <p:nvPr/>
+      </p:nvGrpSpPr>
+      <p:grpSpPr>
+        <a:xfrm>
+          <a:off x="0" y="0"/>
+          <a:ext cx="0" cy="0"/>
+          <a:chOff x="0" y="0"/>
+          <a:chExt cx="0" cy="0"/>
+        </a:xfrm>
+      </p:grpSpPr>
+      <p:pic>
+        <p:nvPicPr>
+          <p:cNvPr id="4" name="Content Placeholder 3"/>
+          <p:cNvPicPr>
+            <a:picLocks noGrp="1" noChangeAspect="1"/>
+          </p:cNvPicPr>
+          <p:nvPr>
+            <p:ph idx="1"/>
+          </p:nvPr>
+        </p:nvPicPr>
+        <p:blipFill>
+          <a:blip r:embed="rId2">
+            <a:extLst>
+              <a:ext uri="{28A0092B-C50C-407E-A947-70E740481C1C}">
+                <a14:useLocalDpi xmlns:a14="http://schemas.microsoft.com/office/drawing/2010/main" val="0"/>
+              </a:ext>
+            </a:extLst>
+          </a:blip>
+          <a:stretch>
+            <a:fillRect/>
+          </a:stretch>
+        </p:blipFill>
+        <p:spPr>
+          <a:xfrm>
+            <a:off x="1820728" y="1732547"/>
+            <a:ext cx="8087960" cy="4562439"/>
+          </a:xfrm>
+        </p:spPr>
+      </p:pic>
+    </p:spTree>
+    <p:extLst>
+      <p:ext uri="{BB962C8B-B14F-4D97-AF65-F5344CB8AC3E}">
+        <p14:creationId xmlns:p14="http://schemas.microsoft.com/office/powerpoint/2010/main" val="186603535"/>
+      </p:ext>
+    </p:extLst>
+  </p:cSld>
+  <p:clrMapOvr>
+    <a:masterClrMapping/>
+  </p:clrMapOvr>
+</p:sld>
+</file>
+
+<file path=ppt/slides/slide11.xml><?xml version="1.0" encoding="utf-8"?>
+<p:sld xmlns:a="http://schemas.openxmlformats.org/drawingml/2006/main" xmlns:r="http://schemas.openxmlformats.org/officeDocument/2006/relationships" xmlns:p="http://schemas.openxmlformats.org/presentationml/2006/main">
+  <p:cSld>
+    <p:spTree>
+      <p:nvGrpSpPr>
+        <p:cNvPr id="1" name=""/>
+        <p:cNvGrpSpPr/>
+        <p:nvPr/>
+      </p:nvGrpSpPr>
+      <p:grpSpPr>
+        <a:xfrm>
+          <a:off x="0" y="0"/>
+          <a:ext cx="0" cy="0"/>
+          <a:chOff x="0" y="0"/>
+          <a:chExt cx="0" cy="0"/>
+        </a:xfrm>
+      </p:grpSpPr>
+      <p:pic>
+        <p:nvPicPr>
+          <p:cNvPr id="4" name="Content Placeholder 3"/>
+          <p:cNvPicPr>
+            <a:picLocks noGrp="1" noChangeAspect="1"/>
+          </p:cNvPicPr>
+          <p:nvPr>
+            <p:ph idx="1"/>
+          </p:nvPr>
+        </p:nvPicPr>
+        <p:blipFill>
+          <a:blip r:embed="rId2">
+            <a:extLst>
+              <a:ext uri="{28A0092B-C50C-407E-A947-70E740481C1C}">
+                <a14:useLocalDpi xmlns:a14="http://schemas.microsoft.com/office/drawing/2010/main" val="0"/>
+              </a:ext>
+            </a:extLst>
+          </a:blip>
+          <a:stretch>
+            <a:fillRect/>
+          </a:stretch>
+        </p:blipFill>
+        <p:spPr>
+          <a:xfrm>
+            <a:off x="2094168" y="1716506"/>
+            <a:ext cx="7039306" cy="4321807"/>
+          </a:xfrm>
+        </p:spPr>
+      </p:pic>
+    </p:spTree>
+    <p:extLst>
+      <p:ext uri="{BB962C8B-B14F-4D97-AF65-F5344CB8AC3E}">
+        <p14:creationId xmlns:p14="http://schemas.microsoft.com/office/powerpoint/2010/main" val="1767718172"/>
+      </p:ext>
+    </p:extLst>
+  </p:cSld>
+  <p:clrMapOvr>
+    <a:masterClrMapping/>
+  </p:clrMapOvr>
+</p:sld>
+</file>
+
+<file path=ppt/slides/slide12.xml><?xml version="1.0" encoding="utf-8"?>
+<p:sld xmlns:a="http://schemas.openxmlformats.org/drawingml/2006/main" xmlns:r="http://schemas.openxmlformats.org/officeDocument/2006/relationships" xmlns:p="http://schemas.openxmlformats.org/presentationml/2006/main">
+  <p:cSld>
+    <p:spTree>
+      <p:nvGrpSpPr>
+        <p:cNvPr id="1" name=""/>
+        <p:cNvGrpSpPr/>
+        <p:nvPr/>
+      </p:nvGrpSpPr>
+      <p:grpSpPr>
+        <a:xfrm>
+          <a:off x="0" y="0"/>
+          <a:ext cx="0" cy="0"/>
+          <a:chOff x="0" y="0"/>
+          <a:chExt cx="0" cy="0"/>
+        </a:xfrm>
+      </p:grpSpPr>
       <p:sp>
         <p:nvSpPr>
-          <p:cNvPr id="3" name="Subtitle 2"/>
+          <p:cNvPr id="2" name="Title 1"/>
           <p:cNvSpPr>
             <a:spLocks noGrp="1"/>
           </p:cNvSpPr>
           <p:nvPr>
-            <p:ph type="subTitle" idx="1"/>
+            <p:ph type="title"/>
           </p:nvPr>
         </p:nvSpPr>
         <p:spPr/>
@@ -20579,14 +20744,498 @@
           <a:bodyPr/>
           <a:lstStyle/>
           <a:p>
-            <a:endParaRPr lang="en-US"/>
+            <a:r>
+              <a:rPr lang="en-US" dirty="0" smtClean="0"/>
+              <a:t>Results</a:t>
+            </a:r>
+            <a:endParaRPr lang="en-US" dirty="0"/>
+          </a:p>
+        </p:txBody>
+      </p:sp>
+      <p:sp>
+        <p:nvSpPr>
+          <p:cNvPr id="3" name="Content Placeholder 2"/>
+          <p:cNvSpPr>
+            <a:spLocks noGrp="1"/>
+          </p:cNvSpPr>
+          <p:nvPr>
+            <p:ph idx="1"/>
+          </p:nvPr>
+        </p:nvSpPr>
+        <p:spPr/>
+        <p:txBody>
+          <a:bodyPr>
+            <a:normAutofit/>
+          </a:bodyPr>
+          <a:lstStyle/>
+          <a:p>
+            <a:pPr>
+              <a:buFont typeface="Wingdings" panose="05000000000000000000" pitchFamily="2" charset="2"/>
+              <a:buChar char="§"/>
+            </a:pPr>
+            <a:r>
+              <a:rPr lang="en-US" sz="2800" dirty="0" smtClean="0"/>
+              <a:t>Using cluster 0 as an example, hotels and transport can be discovered</a:t>
+            </a:r>
+          </a:p>
+          <a:p>
+            <a:pPr>
+              <a:buFont typeface="Wingdings" panose="05000000000000000000" pitchFamily="2" charset="2"/>
+              <a:buChar char="§"/>
+            </a:pPr>
+            <a:r>
+              <a:rPr lang="en-US" sz="2800" dirty="0" smtClean="0"/>
+              <a:t>Hotels are in </a:t>
+            </a:r>
+            <a:r>
+              <a:rPr lang="en-US" sz="2800" dirty="0" err="1" smtClean="0"/>
+              <a:t>Ariake</a:t>
+            </a:r>
+            <a:r>
+              <a:rPr lang="en-US" sz="2800" dirty="0" smtClean="0"/>
+              <a:t>, Omori, </a:t>
+            </a:r>
+            <a:r>
+              <a:rPr lang="en-US" sz="2800" dirty="0" err="1" smtClean="0"/>
+              <a:t>Shinbashi</a:t>
+            </a:r>
+            <a:r>
+              <a:rPr lang="en-US" sz="2800" dirty="0" smtClean="0"/>
+              <a:t>, </a:t>
+            </a:r>
+            <a:r>
+              <a:rPr lang="en-US" sz="2800" dirty="0" err="1" smtClean="0"/>
+              <a:t>Atemachi</a:t>
+            </a:r>
+            <a:r>
+              <a:rPr lang="en-US" sz="2800" dirty="0" smtClean="0"/>
+              <a:t>, </a:t>
+            </a:r>
+            <a:r>
+              <a:rPr lang="en-US" sz="2800" dirty="0" err="1" smtClean="0"/>
+              <a:t>Marunouchi</a:t>
+            </a:r>
+            <a:r>
+              <a:rPr lang="en-US" sz="2800" dirty="0" smtClean="0"/>
+              <a:t>, </a:t>
+            </a:r>
+            <a:r>
+              <a:rPr lang="en-US" sz="2800" dirty="0" err="1" smtClean="0"/>
+              <a:t>Hatchobori</a:t>
+            </a:r>
+            <a:r>
+              <a:rPr lang="en-US" sz="2800" dirty="0" smtClean="0"/>
+              <a:t>, </a:t>
+            </a:r>
+            <a:r>
+              <a:rPr lang="en-US" sz="2800" dirty="0" err="1" smtClean="0"/>
+              <a:t>Aoto</a:t>
+            </a:r>
+            <a:r>
+              <a:rPr lang="en-US" sz="2800" dirty="0" smtClean="0"/>
+              <a:t>, </a:t>
+            </a:r>
+            <a:r>
+              <a:rPr lang="en-US" sz="2800" dirty="0" err="1" smtClean="0"/>
+              <a:t>Asagaya</a:t>
+            </a:r>
+            <a:r>
+              <a:rPr lang="en-US" sz="2800" dirty="0" smtClean="0"/>
+              <a:t>, </a:t>
+            </a:r>
+            <a:r>
+              <a:rPr lang="en-US" sz="2800" dirty="0" err="1" smtClean="0"/>
+              <a:t>Koenji</a:t>
+            </a:r>
+            <a:r>
+              <a:rPr lang="en-US" sz="2800" dirty="0" smtClean="0"/>
+              <a:t>, and </a:t>
+            </a:r>
+            <a:r>
+              <a:rPr lang="en-US" sz="2800" dirty="0" err="1" smtClean="0"/>
+              <a:t>Ogikubo</a:t>
+            </a:r>
+            <a:endParaRPr lang="en-US" sz="2800" dirty="0" smtClean="0"/>
+          </a:p>
+          <a:p>
+            <a:pPr>
+              <a:buFont typeface="Wingdings" panose="05000000000000000000" pitchFamily="2" charset="2"/>
+              <a:buChar char="§"/>
+            </a:pPr>
+            <a:r>
+              <a:rPr lang="en-US" sz="2800" dirty="0" smtClean="0"/>
+              <a:t>Train stations are in </a:t>
+            </a:r>
+            <a:r>
+              <a:rPr lang="en-US" sz="2800" dirty="0" err="1" smtClean="0"/>
+              <a:t>Etchujima</a:t>
+            </a:r>
+            <a:r>
+              <a:rPr lang="en-US" sz="2800" dirty="0" smtClean="0"/>
+              <a:t>, </a:t>
+            </a:r>
+            <a:r>
+              <a:rPr lang="en-US" sz="2800" dirty="0" err="1" smtClean="0"/>
+              <a:t>Hatadodai</a:t>
+            </a:r>
+            <a:r>
+              <a:rPr lang="en-US" sz="2800" dirty="0" smtClean="0"/>
+              <a:t>, Oji, Shinagawa, </a:t>
+            </a:r>
+            <a:r>
+              <a:rPr lang="en-US" sz="2800" dirty="0" err="1" smtClean="0"/>
+              <a:t>Machiya</a:t>
+            </a:r>
+            <a:r>
+              <a:rPr lang="en-US" sz="2800" dirty="0" smtClean="0"/>
+              <a:t>, </a:t>
+            </a:r>
+            <a:r>
+              <a:rPr lang="en-US" sz="2800" dirty="0" err="1" smtClean="0"/>
+              <a:t>Shibamata</a:t>
+            </a:r>
+            <a:r>
+              <a:rPr lang="en-US" sz="2800" dirty="0" smtClean="0"/>
+              <a:t>, </a:t>
+            </a:r>
+            <a:r>
+              <a:rPr lang="en-US" sz="2800" dirty="0" err="1" smtClean="0"/>
+              <a:t>Tabata</a:t>
+            </a:r>
+            <a:r>
+              <a:rPr lang="en-US" sz="2800" dirty="0" smtClean="0"/>
+              <a:t>, and </a:t>
+            </a:r>
+            <a:r>
+              <a:rPr lang="en-US" sz="2800" dirty="0" err="1" smtClean="0"/>
+              <a:t>Ariake</a:t>
+            </a:r>
+            <a:endParaRPr lang="en-US" sz="2800" dirty="0" smtClean="0"/>
+          </a:p>
+          <a:p>
+            <a:pPr>
+              <a:buFont typeface="Wingdings" panose="05000000000000000000" pitchFamily="2" charset="2"/>
+              <a:buChar char="§"/>
+            </a:pPr>
+            <a:r>
+              <a:rPr lang="en-US" sz="2800" dirty="0" smtClean="0"/>
+              <a:t>The only district in common is </a:t>
+            </a:r>
+            <a:r>
+              <a:rPr lang="en-US" sz="2800" dirty="0" err="1" smtClean="0"/>
+              <a:t>Ariake</a:t>
+            </a:r>
+            <a:endParaRPr lang="en-US" sz="2800" dirty="0"/>
           </a:p>
         </p:txBody>
       </p:sp>
     </p:spTree>
     <p:extLst>
       <p:ext uri="{BB962C8B-B14F-4D97-AF65-F5344CB8AC3E}">
-        <p14:creationId xmlns:p14="http://schemas.microsoft.com/office/powerpoint/2010/main" val="2930749203"/>
+        <p14:creationId xmlns:p14="http://schemas.microsoft.com/office/powerpoint/2010/main" val="639168965"/>
+      </p:ext>
+    </p:extLst>
+  </p:cSld>
+  <p:clrMapOvr>
+    <a:masterClrMapping/>
+  </p:clrMapOvr>
+</p:sld>
+</file>
+
+<file path=ppt/slides/slide13.xml><?xml version="1.0" encoding="utf-8"?>
+<p:sld xmlns:a="http://schemas.openxmlformats.org/drawingml/2006/main" xmlns:r="http://schemas.openxmlformats.org/officeDocument/2006/relationships" xmlns:p="http://schemas.openxmlformats.org/presentationml/2006/main">
+  <p:cSld>
+    <p:spTree>
+      <p:nvGrpSpPr>
+        <p:cNvPr id="1" name=""/>
+        <p:cNvGrpSpPr/>
+        <p:nvPr/>
+      </p:nvGrpSpPr>
+      <p:grpSpPr>
+        <a:xfrm>
+          <a:off x="0" y="0"/>
+          <a:ext cx="0" cy="0"/>
+          <a:chOff x="0" y="0"/>
+          <a:chExt cx="0" cy="0"/>
+        </a:xfrm>
+      </p:grpSpPr>
+      <p:sp>
+        <p:nvSpPr>
+          <p:cNvPr id="2" name="Title 1"/>
+          <p:cNvSpPr>
+            <a:spLocks noGrp="1"/>
+          </p:cNvSpPr>
+          <p:nvPr>
+            <p:ph type="title"/>
+          </p:nvPr>
+        </p:nvSpPr>
+        <p:spPr/>
+        <p:txBody>
+          <a:bodyPr/>
+          <a:lstStyle/>
+          <a:p>
+            <a:r>
+              <a:rPr lang="en-US" dirty="0" smtClean="0"/>
+              <a:t>Location of </a:t>
+            </a:r>
+            <a:r>
+              <a:rPr lang="en-US" dirty="0" err="1" smtClean="0"/>
+              <a:t>Ariake</a:t>
+            </a:r>
+            <a:endParaRPr lang="en-US" dirty="0"/>
+          </a:p>
+        </p:txBody>
+      </p:sp>
+      <p:pic>
+        <p:nvPicPr>
+          <p:cNvPr id="4" name="Content Placeholder 3"/>
+          <p:cNvPicPr>
+            <a:picLocks noGrp="1" noChangeAspect="1"/>
+          </p:cNvPicPr>
+          <p:nvPr>
+            <p:ph idx="1"/>
+          </p:nvPr>
+        </p:nvPicPr>
+        <p:blipFill>
+          <a:blip r:embed="rId2">
+            <a:extLst>
+              <a:ext uri="{28A0092B-C50C-407E-A947-70E740481C1C}">
+                <a14:useLocalDpi xmlns:a14="http://schemas.microsoft.com/office/drawing/2010/main" val="0"/>
+              </a:ext>
+            </a:extLst>
+          </a:blip>
+          <a:stretch>
+            <a:fillRect/>
+          </a:stretch>
+        </p:blipFill>
+        <p:spPr>
+          <a:xfrm>
+            <a:off x="2169319" y="2757487"/>
+            <a:ext cx="7429500" cy="3079750"/>
+          </a:xfrm>
+        </p:spPr>
+      </p:pic>
+    </p:spTree>
+    <p:extLst>
+      <p:ext uri="{BB962C8B-B14F-4D97-AF65-F5344CB8AC3E}">
+        <p14:creationId xmlns:p14="http://schemas.microsoft.com/office/powerpoint/2010/main" val="2193659259"/>
+      </p:ext>
+    </p:extLst>
+  </p:cSld>
+  <p:clrMapOvr>
+    <a:masterClrMapping/>
+  </p:clrMapOvr>
+</p:sld>
+</file>
+
+<file path=ppt/slides/slide14.xml><?xml version="1.0" encoding="utf-8"?>
+<p:sld xmlns:a="http://schemas.openxmlformats.org/drawingml/2006/main" xmlns:r="http://schemas.openxmlformats.org/officeDocument/2006/relationships" xmlns:p="http://schemas.openxmlformats.org/presentationml/2006/main">
+  <p:cSld>
+    <p:spTree>
+      <p:nvGrpSpPr>
+        <p:cNvPr id="1" name=""/>
+        <p:cNvGrpSpPr/>
+        <p:nvPr/>
+      </p:nvGrpSpPr>
+      <p:grpSpPr>
+        <a:xfrm>
+          <a:off x="0" y="0"/>
+          <a:ext cx="0" cy="0"/>
+          <a:chOff x="0" y="0"/>
+          <a:chExt cx="0" cy="0"/>
+        </a:xfrm>
+      </p:grpSpPr>
+      <p:sp>
+        <p:nvSpPr>
+          <p:cNvPr id="2" name="Title 1"/>
+          <p:cNvSpPr>
+            <a:spLocks noGrp="1"/>
+          </p:cNvSpPr>
+          <p:nvPr>
+            <p:ph type="title"/>
+          </p:nvPr>
+        </p:nvSpPr>
+        <p:spPr/>
+        <p:txBody>
+          <a:bodyPr/>
+          <a:lstStyle/>
+          <a:p>
+            <a:r>
+              <a:rPr lang="en-US" dirty="0" smtClean="0"/>
+              <a:t>Discussion</a:t>
+            </a:r>
+            <a:endParaRPr lang="en-US" dirty="0"/>
+          </a:p>
+        </p:txBody>
+      </p:sp>
+      <p:sp>
+        <p:nvSpPr>
+          <p:cNvPr id="3" name="Content Placeholder 2"/>
+          <p:cNvSpPr>
+            <a:spLocks noGrp="1"/>
+          </p:cNvSpPr>
+          <p:nvPr>
+            <p:ph idx="1"/>
+          </p:nvPr>
+        </p:nvSpPr>
+        <p:spPr/>
+        <p:txBody>
+          <a:bodyPr>
+            <a:normAutofit/>
+          </a:bodyPr>
+          <a:lstStyle/>
+          <a:p>
+            <a:pPr>
+              <a:buFont typeface="Wingdings" panose="05000000000000000000" pitchFamily="2" charset="2"/>
+              <a:buChar char="§"/>
+            </a:pPr>
+            <a:r>
+              <a:rPr lang="en-US" sz="3200" dirty="0" smtClean="0"/>
+              <a:t>The clustering did not pick up places that were less frequent, but possibly more interesting</a:t>
+            </a:r>
+          </a:p>
+          <a:p>
+            <a:pPr>
+              <a:buFont typeface="Wingdings" panose="05000000000000000000" pitchFamily="2" charset="2"/>
+              <a:buChar char="§"/>
+            </a:pPr>
+            <a:r>
+              <a:rPr lang="en-US" sz="3200" dirty="0" smtClean="0"/>
+              <a:t>For accommodations, I could also look at Airbnb and hostels</a:t>
+            </a:r>
+          </a:p>
+          <a:p>
+            <a:pPr>
+              <a:buFont typeface="Wingdings" panose="05000000000000000000" pitchFamily="2" charset="2"/>
+              <a:buChar char="§"/>
+            </a:pPr>
+            <a:r>
+              <a:rPr lang="en-US" sz="3200" dirty="0" smtClean="0"/>
+              <a:t>For transport, given the distance I could also just walk or bike</a:t>
+            </a:r>
+            <a:endParaRPr lang="en-US" sz="3200" dirty="0"/>
+          </a:p>
+        </p:txBody>
+      </p:sp>
+    </p:spTree>
+    <p:extLst>
+      <p:ext uri="{BB962C8B-B14F-4D97-AF65-F5344CB8AC3E}">
+        <p14:creationId xmlns:p14="http://schemas.microsoft.com/office/powerpoint/2010/main" val="3313324987"/>
+      </p:ext>
+    </p:extLst>
+  </p:cSld>
+  <p:clrMapOvr>
+    <a:masterClrMapping/>
+  </p:clrMapOvr>
+</p:sld>
+</file>
+
+<file path=ppt/slides/slide15.xml><?xml version="1.0" encoding="utf-8"?>
+<p:sld xmlns:a="http://schemas.openxmlformats.org/drawingml/2006/main" xmlns:r="http://schemas.openxmlformats.org/officeDocument/2006/relationships" xmlns:p="http://schemas.openxmlformats.org/presentationml/2006/main">
+  <p:cSld>
+    <p:spTree>
+      <p:nvGrpSpPr>
+        <p:cNvPr id="1" name=""/>
+        <p:cNvGrpSpPr/>
+        <p:nvPr/>
+      </p:nvGrpSpPr>
+      <p:grpSpPr>
+        <a:xfrm>
+          <a:off x="0" y="0"/>
+          <a:ext cx="0" cy="0"/>
+          <a:chOff x="0" y="0"/>
+          <a:chExt cx="0" cy="0"/>
+        </a:xfrm>
+      </p:grpSpPr>
+      <p:sp>
+        <p:nvSpPr>
+          <p:cNvPr id="2" name="Title 1"/>
+          <p:cNvSpPr>
+            <a:spLocks noGrp="1"/>
+          </p:cNvSpPr>
+          <p:nvPr>
+            <p:ph type="title"/>
+          </p:nvPr>
+        </p:nvSpPr>
+        <p:spPr/>
+        <p:txBody>
+          <a:bodyPr/>
+          <a:lstStyle/>
+          <a:p>
+            <a:r>
+              <a:rPr lang="en-US" dirty="0" smtClean="0"/>
+              <a:t>Conclusions</a:t>
+            </a:r>
+            <a:endParaRPr lang="en-US" dirty="0"/>
+          </a:p>
+        </p:txBody>
+      </p:sp>
+      <p:sp>
+        <p:nvSpPr>
+          <p:cNvPr id="3" name="Content Placeholder 2"/>
+          <p:cNvSpPr>
+            <a:spLocks noGrp="1"/>
+          </p:cNvSpPr>
+          <p:nvPr>
+            <p:ph idx="1"/>
+          </p:nvPr>
+        </p:nvSpPr>
+        <p:spPr/>
+        <p:txBody>
+          <a:bodyPr>
+            <a:normAutofit/>
+          </a:bodyPr>
+          <a:lstStyle/>
+          <a:p>
+            <a:pPr>
+              <a:buFont typeface="Wingdings" panose="05000000000000000000" pitchFamily="2" charset="2"/>
+              <a:buChar char="§"/>
+            </a:pPr>
+            <a:r>
+              <a:rPr lang="en-US" sz="3200" dirty="0" smtClean="0"/>
+              <a:t>I learned the layout of </a:t>
+            </a:r>
+            <a:r>
+              <a:rPr lang="en-US" sz="3200" dirty="0" err="1" smtClean="0"/>
+              <a:t>Toyko</a:t>
+            </a:r>
+            <a:r>
+              <a:rPr lang="en-US" sz="3200" dirty="0" smtClean="0"/>
+              <a:t>, Japan</a:t>
+            </a:r>
+          </a:p>
+          <a:p>
+            <a:pPr>
+              <a:buFont typeface="Wingdings" panose="05000000000000000000" pitchFamily="2" charset="2"/>
+              <a:buChar char="§"/>
+            </a:pPr>
+            <a:r>
+              <a:rPr lang="en-US" sz="3200" dirty="0" smtClean="0"/>
+              <a:t>After clustering the districts, I found the most common venues and of the districts, the best to stay at is </a:t>
+            </a:r>
+            <a:r>
+              <a:rPr lang="en-US" sz="3200" dirty="0" err="1" smtClean="0"/>
+              <a:t>Ariake</a:t>
+            </a:r>
+            <a:endParaRPr lang="en-US" sz="3200" dirty="0" smtClean="0"/>
+          </a:p>
+          <a:p>
+            <a:pPr>
+              <a:buFont typeface="Wingdings" panose="05000000000000000000" pitchFamily="2" charset="2"/>
+              <a:buChar char="§"/>
+            </a:pPr>
+            <a:r>
+              <a:rPr lang="en-US" sz="3200" dirty="0" smtClean="0"/>
+              <a:t>Further work could be done to find other suitable places to stay</a:t>
+            </a:r>
+            <a:endParaRPr lang="en-US" sz="3200" dirty="0"/>
+          </a:p>
+        </p:txBody>
+      </p:sp>
+    </p:spTree>
+    <p:extLst>
+      <p:ext uri="{BB962C8B-B14F-4D97-AF65-F5344CB8AC3E}">
+        <p14:creationId xmlns:p14="http://schemas.microsoft.com/office/powerpoint/2010/main" val="282771540"/>
       </p:ext>
     </p:extLst>
   </p:cSld>
@@ -21080,23 +21729,1016 @@
             <p:ph sz="half" idx="1"/>
           </p:nvPr>
         </p:nvSpPr>
-        <p:spPr/>
+        <p:spPr>
+          <a:xfrm>
+            <a:off x="1255854" y="2318084"/>
+            <a:ext cx="4754880" cy="4023360"/>
+          </a:xfrm>
+        </p:spPr>
         <p:txBody>
           <a:bodyPr/>
           <a:lstStyle/>
           <a:p>
-            <a:endParaRPr lang="en-US"/>
+            <a:pPr>
+              <a:buFont typeface="Wingdings" panose="05000000000000000000" pitchFamily="2" charset="2"/>
+              <a:buChar char="§"/>
+            </a:pPr>
+            <a:r>
+              <a:rPr lang="en-US" dirty="0" smtClean="0"/>
+              <a:t>The populations and population densities of Tokyo’s wards</a:t>
+            </a:r>
+          </a:p>
+          <a:p>
+            <a:pPr>
+              <a:buFont typeface="Wingdings" panose="05000000000000000000" pitchFamily="2" charset="2"/>
+              <a:buChar char="§"/>
+            </a:pPr>
+            <a:r>
+              <a:rPr lang="en-US" dirty="0" smtClean="0"/>
+              <a:t>The major districts associated with each ward</a:t>
+            </a:r>
+          </a:p>
+          <a:p>
+            <a:pPr>
+              <a:buFont typeface="Wingdings" panose="05000000000000000000" pitchFamily="2" charset="2"/>
+              <a:buChar char="§"/>
+            </a:pPr>
+            <a:r>
+              <a:rPr lang="en-US" dirty="0" smtClean="0"/>
+              <a:t>The latitude and longitude of each district</a:t>
+            </a:r>
+          </a:p>
+          <a:p>
+            <a:pPr>
+              <a:buFont typeface="Wingdings" panose="05000000000000000000" pitchFamily="2" charset="2"/>
+              <a:buChar char="§"/>
+            </a:pPr>
+            <a:r>
+              <a:rPr lang="en-US" dirty="0" err="1" smtClean="0"/>
+              <a:t>Geojson</a:t>
+            </a:r>
+            <a:r>
+              <a:rPr lang="en-US" dirty="0" smtClean="0"/>
+              <a:t> file of </a:t>
+            </a:r>
+            <a:r>
+              <a:rPr lang="en-US" dirty="0" err="1" smtClean="0"/>
+              <a:t>Toyko</a:t>
+            </a:r>
+            <a:r>
+              <a:rPr lang="en-US" dirty="0" smtClean="0"/>
+              <a:t> from </a:t>
+            </a:r>
+            <a:r>
+              <a:rPr lang="en-US" dirty="0" err="1" smtClean="0"/>
+              <a:t>Github</a:t>
+            </a:r>
+            <a:endParaRPr lang="en-US" dirty="0" smtClean="0"/>
+          </a:p>
+          <a:p>
+            <a:pPr>
+              <a:buFont typeface="Wingdings" panose="05000000000000000000" pitchFamily="2" charset="2"/>
+              <a:buChar char="§"/>
+            </a:pPr>
+            <a:r>
+              <a:rPr lang="en-US" dirty="0" smtClean="0"/>
+              <a:t>Foursquare venue data</a:t>
+            </a:r>
+            <a:endParaRPr lang="en-US" dirty="0"/>
           </a:p>
         </p:txBody>
       </p:sp>
+      <p:graphicFrame>
+        <p:nvGraphicFramePr>
+          <p:cNvPr id="5" name="Content Placeholder 4"/>
+          <p:cNvGraphicFramePr>
+            <a:graphicFrameLocks noGrp="1"/>
+          </p:cNvGraphicFramePr>
+          <p:nvPr>
+            <p:ph sz="half" idx="2"/>
+            <p:extLst>
+              <p:ext uri="{D42A27DB-BD31-4B8C-83A1-F6EECF244321}">
+                <p14:modId xmlns:p14="http://schemas.microsoft.com/office/powerpoint/2010/main" val="2091605163"/>
+              </p:ext>
+            </p:extLst>
+          </p:nvPr>
+        </p:nvGraphicFramePr>
+        <p:xfrm>
+          <a:off x="6558279" y="1015007"/>
+          <a:ext cx="4907814" cy="2139649"/>
+        </p:xfrm>
+        <a:graphic>
+          <a:graphicData uri="http://schemas.openxmlformats.org/drawingml/2006/table">
+            <a:tbl>
+              <a:tblPr firstRow="1" bandRow="1">
+                <a:tableStyleId>{5C22544A-7EE6-4342-B048-85BDC9FD1C3A}</a:tableStyleId>
+              </a:tblPr>
+              <a:tblGrid>
+                <a:gridCol w="1635938">
+                  <a:extLst>
+                    <a:ext uri="{9D8B030D-6E8A-4147-A177-3AD203B41FA5}">
+                      <a16:colId xmlns:a16="http://schemas.microsoft.com/office/drawing/2014/main" val="1261671658"/>
+                    </a:ext>
+                  </a:extLst>
+                </a:gridCol>
+                <a:gridCol w="1635938">
+                  <a:extLst>
+                    <a:ext uri="{9D8B030D-6E8A-4147-A177-3AD203B41FA5}">
+                      <a16:colId xmlns:a16="http://schemas.microsoft.com/office/drawing/2014/main" val="1811456683"/>
+                    </a:ext>
+                  </a:extLst>
+                </a:gridCol>
+                <a:gridCol w="1635938">
+                  <a:extLst>
+                    <a:ext uri="{9D8B030D-6E8A-4147-A177-3AD203B41FA5}">
+                      <a16:colId xmlns:a16="http://schemas.microsoft.com/office/drawing/2014/main" val="1253522369"/>
+                    </a:ext>
+                  </a:extLst>
+                </a:gridCol>
+              </a:tblGrid>
+              <a:tr h="497501">
+                <a:tc>
+                  <a:txBody>
+                    <a:bodyPr/>
+                    <a:lstStyle/>
+                    <a:p>
+                      <a:pPr algn="ctr"/>
+                      <a:r>
+                        <a:rPr lang="en-US" dirty="0" smtClean="0"/>
+                        <a:t>Ward</a:t>
+                      </a:r>
+                      <a:endParaRPr lang="en-US" dirty="0"/>
+                    </a:p>
+                  </a:txBody>
+                  <a:tcPr anchor="ctr"/>
+                </a:tc>
+                <a:tc>
+                  <a:txBody>
+                    <a:bodyPr/>
+                    <a:lstStyle/>
+                    <a:p>
+                      <a:pPr algn="ctr"/>
+                      <a:r>
+                        <a:rPr lang="en-US" dirty="0" smtClean="0"/>
+                        <a:t>Population</a:t>
+                      </a:r>
+                      <a:endParaRPr lang="en-US" dirty="0"/>
+                    </a:p>
+                  </a:txBody>
+                  <a:tcPr anchor="ctr"/>
+                </a:tc>
+                <a:tc>
+                  <a:txBody>
+                    <a:bodyPr/>
+                    <a:lstStyle/>
+                    <a:p>
+                      <a:pPr algn="ctr"/>
+                      <a:r>
+                        <a:rPr lang="en-US" dirty="0" smtClean="0"/>
+                        <a:t>Density</a:t>
+                      </a:r>
+                      <a:endParaRPr lang="en-US" dirty="0"/>
+                    </a:p>
+                  </a:txBody>
+                  <a:tcPr anchor="ctr"/>
+                </a:tc>
+                <a:extLst>
+                  <a:ext uri="{0D108BD9-81ED-4DB2-BD59-A6C34878D82A}">
+                    <a16:rowId xmlns:a16="http://schemas.microsoft.com/office/drawing/2014/main" val="3375846041"/>
+                  </a:ext>
+                </a:extLst>
+              </a:tr>
+              <a:tr h="410537">
+                <a:tc>
+                  <a:txBody>
+                    <a:bodyPr/>
+                    <a:lstStyle/>
+                    <a:p>
+                      <a:pPr algn="ctr"/>
+                      <a:r>
+                        <a:rPr lang="en-US" dirty="0" smtClean="0"/>
+                        <a:t>Chiyoda</a:t>
+                      </a:r>
+                      <a:endParaRPr lang="en-US" dirty="0"/>
+                    </a:p>
+                  </a:txBody>
+                  <a:tcPr anchor="ctr"/>
+                </a:tc>
+                <a:tc>
+                  <a:txBody>
+                    <a:bodyPr/>
+                    <a:lstStyle/>
+                    <a:p>
+                      <a:pPr algn="ctr"/>
+                      <a:r>
+                        <a:rPr lang="en-US" dirty="0" smtClean="0"/>
+                        <a:t>59441</a:t>
+                      </a:r>
+                      <a:endParaRPr lang="en-US" dirty="0"/>
+                    </a:p>
+                  </a:txBody>
+                  <a:tcPr anchor="ctr"/>
+                </a:tc>
+                <a:tc>
+                  <a:txBody>
+                    <a:bodyPr/>
+                    <a:lstStyle/>
+                    <a:p>
+                      <a:pPr algn="ctr"/>
+                      <a:r>
+                        <a:rPr lang="en-US" dirty="0" smtClean="0"/>
+                        <a:t>5100</a:t>
+                      </a:r>
+                      <a:endParaRPr lang="en-US" dirty="0"/>
+                    </a:p>
+                  </a:txBody>
+                  <a:tcPr anchor="ctr"/>
+                </a:tc>
+                <a:extLst>
+                  <a:ext uri="{0D108BD9-81ED-4DB2-BD59-A6C34878D82A}">
+                    <a16:rowId xmlns:a16="http://schemas.microsoft.com/office/drawing/2014/main" val="85076607"/>
+                  </a:ext>
+                </a:extLst>
+              </a:tr>
+              <a:tr h="410537">
+                <a:tc>
+                  <a:txBody>
+                    <a:bodyPr/>
+                    <a:lstStyle/>
+                    <a:p>
+                      <a:pPr algn="ctr"/>
+                      <a:r>
+                        <a:rPr lang="en-US" dirty="0" smtClean="0"/>
+                        <a:t>Chuo</a:t>
+                      </a:r>
+                    </a:p>
+                  </a:txBody>
+                  <a:tcPr anchor="ctr"/>
+                </a:tc>
+                <a:tc>
+                  <a:txBody>
+                    <a:bodyPr/>
+                    <a:lstStyle/>
+                    <a:p>
+                      <a:pPr algn="ctr"/>
+                      <a:r>
+                        <a:rPr lang="en-US" dirty="0" smtClean="0"/>
+                        <a:t>147620</a:t>
+                      </a:r>
+                      <a:endParaRPr lang="en-US" dirty="0"/>
+                    </a:p>
+                  </a:txBody>
+                  <a:tcPr anchor="ctr"/>
+                </a:tc>
+                <a:tc>
+                  <a:txBody>
+                    <a:bodyPr/>
+                    <a:lstStyle/>
+                    <a:p>
+                      <a:pPr algn="ctr"/>
+                      <a:r>
+                        <a:rPr lang="en-US" dirty="0" smtClean="0"/>
+                        <a:t>14460</a:t>
+                      </a:r>
+                      <a:endParaRPr lang="en-US" dirty="0"/>
+                    </a:p>
+                  </a:txBody>
+                  <a:tcPr anchor="ctr"/>
+                </a:tc>
+                <a:extLst>
+                  <a:ext uri="{0D108BD9-81ED-4DB2-BD59-A6C34878D82A}">
+                    <a16:rowId xmlns:a16="http://schemas.microsoft.com/office/drawing/2014/main" val="3263235523"/>
+                  </a:ext>
+                </a:extLst>
+              </a:tr>
+              <a:tr h="410537">
+                <a:tc>
+                  <a:txBody>
+                    <a:bodyPr/>
+                    <a:lstStyle/>
+                    <a:p>
+                      <a:pPr algn="ctr"/>
+                      <a:r>
+                        <a:rPr lang="en-US" dirty="0" smtClean="0"/>
+                        <a:t>Minato</a:t>
+                      </a:r>
+                      <a:endParaRPr lang="en-US" dirty="0"/>
+                    </a:p>
+                  </a:txBody>
+                  <a:tcPr anchor="ctr"/>
+                </a:tc>
+                <a:tc>
+                  <a:txBody>
+                    <a:bodyPr/>
+                    <a:lstStyle/>
+                    <a:p>
+                      <a:pPr algn="ctr"/>
+                      <a:r>
+                        <a:rPr lang="en-US" dirty="0" smtClean="0"/>
+                        <a:t>248071</a:t>
+                      </a:r>
+                      <a:endParaRPr lang="en-US" dirty="0"/>
+                    </a:p>
+                  </a:txBody>
+                  <a:tcPr anchor="ctr"/>
+                </a:tc>
+                <a:tc>
+                  <a:txBody>
+                    <a:bodyPr/>
+                    <a:lstStyle/>
+                    <a:p>
+                      <a:pPr algn="ctr"/>
+                      <a:r>
+                        <a:rPr lang="en-US" dirty="0" smtClean="0"/>
+                        <a:t>12180</a:t>
+                      </a:r>
+                      <a:endParaRPr lang="en-US" dirty="0"/>
+                    </a:p>
+                  </a:txBody>
+                  <a:tcPr anchor="ctr"/>
+                </a:tc>
+                <a:extLst>
+                  <a:ext uri="{0D108BD9-81ED-4DB2-BD59-A6C34878D82A}">
+                    <a16:rowId xmlns:a16="http://schemas.microsoft.com/office/drawing/2014/main" val="2384683870"/>
+                  </a:ext>
+                </a:extLst>
+              </a:tr>
+              <a:tr h="410537">
+                <a:tc>
+                  <a:txBody>
+                    <a:bodyPr/>
+                    <a:lstStyle/>
+                    <a:p>
+                      <a:pPr algn="ctr"/>
+                      <a:r>
+                        <a:rPr lang="en-US" dirty="0" smtClean="0"/>
+                        <a:t>Shinjuku</a:t>
+                      </a:r>
+                      <a:endParaRPr lang="en-US" dirty="0"/>
+                    </a:p>
+                  </a:txBody>
+                  <a:tcPr anchor="ctr"/>
+                </a:tc>
+                <a:tc>
+                  <a:txBody>
+                    <a:bodyPr/>
+                    <a:lstStyle/>
+                    <a:p>
+                      <a:pPr algn="ctr"/>
+                      <a:r>
+                        <a:rPr lang="en-US" dirty="0" smtClean="0"/>
+                        <a:t>339211</a:t>
+                      </a:r>
+                      <a:endParaRPr lang="en-US" dirty="0"/>
+                    </a:p>
+                  </a:txBody>
+                  <a:tcPr anchor="ctr"/>
+                </a:tc>
+                <a:tc>
+                  <a:txBody>
+                    <a:bodyPr/>
+                    <a:lstStyle/>
+                    <a:p>
+                      <a:pPr algn="ctr"/>
+                      <a:r>
+                        <a:rPr lang="en-US" dirty="0" smtClean="0"/>
+                        <a:t>18620</a:t>
+                      </a:r>
+                      <a:endParaRPr lang="en-US" dirty="0"/>
+                    </a:p>
+                  </a:txBody>
+                  <a:tcPr anchor="ctr"/>
+                </a:tc>
+                <a:extLst>
+                  <a:ext uri="{0D108BD9-81ED-4DB2-BD59-A6C34878D82A}">
+                    <a16:rowId xmlns:a16="http://schemas.microsoft.com/office/drawing/2014/main" val="2581990026"/>
+                  </a:ext>
+                </a:extLst>
+              </a:tr>
+            </a:tbl>
+          </a:graphicData>
+        </a:graphic>
+      </p:graphicFrame>
+      <p:graphicFrame>
+        <p:nvGraphicFramePr>
+          <p:cNvPr id="7" name="Table 6"/>
+          <p:cNvGraphicFramePr>
+            <a:graphicFrameLocks noGrp="1"/>
+          </p:cNvGraphicFramePr>
+          <p:nvPr>
+            <p:extLst>
+              <p:ext uri="{D42A27DB-BD31-4B8C-83A1-F6EECF244321}">
+                <p14:modId xmlns:p14="http://schemas.microsoft.com/office/powerpoint/2010/main" val="736089435"/>
+              </p:ext>
+            </p:extLst>
+          </p:nvPr>
+        </p:nvGraphicFramePr>
+        <p:xfrm>
+          <a:off x="6558277" y="3676074"/>
+          <a:ext cx="4907816" cy="2665370"/>
+        </p:xfrm>
+        <a:graphic>
+          <a:graphicData uri="http://schemas.openxmlformats.org/drawingml/2006/table">
+            <a:tbl>
+              <a:tblPr firstRow="1" bandRow="1">
+                <a:tableStyleId>{5C22544A-7EE6-4342-B048-85BDC9FD1C3A}</a:tableStyleId>
+              </a:tblPr>
+              <a:tblGrid>
+                <a:gridCol w="1226954">
+                  <a:extLst>
+                    <a:ext uri="{9D8B030D-6E8A-4147-A177-3AD203B41FA5}">
+                      <a16:colId xmlns:a16="http://schemas.microsoft.com/office/drawing/2014/main" val="3742278125"/>
+                    </a:ext>
+                  </a:extLst>
+                </a:gridCol>
+                <a:gridCol w="1226954">
+                  <a:extLst>
+                    <a:ext uri="{9D8B030D-6E8A-4147-A177-3AD203B41FA5}">
+                      <a16:colId xmlns:a16="http://schemas.microsoft.com/office/drawing/2014/main" val="1477751368"/>
+                    </a:ext>
+                  </a:extLst>
+                </a:gridCol>
+                <a:gridCol w="1226954">
+                  <a:extLst>
+                    <a:ext uri="{9D8B030D-6E8A-4147-A177-3AD203B41FA5}">
+                      <a16:colId xmlns:a16="http://schemas.microsoft.com/office/drawing/2014/main" val="2160295027"/>
+                    </a:ext>
+                  </a:extLst>
+                </a:gridCol>
+                <a:gridCol w="1226954">
+                  <a:extLst>
+                    <a:ext uri="{9D8B030D-6E8A-4147-A177-3AD203B41FA5}">
+                      <a16:colId xmlns:a16="http://schemas.microsoft.com/office/drawing/2014/main" val="916957990"/>
+                    </a:ext>
+                  </a:extLst>
+                </a:gridCol>
+              </a:tblGrid>
+              <a:tr h="533074">
+                <a:tc>
+                  <a:txBody>
+                    <a:bodyPr/>
+                    <a:lstStyle/>
+                    <a:p>
+                      <a:pPr algn="ctr" fontAlgn="b"/>
+                      <a:r>
+                        <a:rPr lang="en-US" sz="1800" u="none" strike="noStrike" dirty="0">
+                          <a:effectLst/>
+                        </a:rPr>
+                        <a:t>District</a:t>
+                      </a:r>
+                      <a:endParaRPr lang="en-US" sz="1800" b="0" i="0" u="none" strike="noStrike" dirty="0">
+                        <a:solidFill>
+                          <a:srgbClr val="000000"/>
+                        </a:solidFill>
+                        <a:effectLst/>
+                        <a:latin typeface="Calibri" panose="020F0502020204030204" pitchFamily="34" charset="0"/>
+                      </a:endParaRPr>
+                    </a:p>
+                  </a:txBody>
+                  <a:tcPr marL="6350" marR="6350" marT="6350" marB="0" anchor="ctr"/>
+                </a:tc>
+                <a:tc>
+                  <a:txBody>
+                    <a:bodyPr/>
+                    <a:lstStyle/>
+                    <a:p>
+                      <a:pPr algn="ctr" fontAlgn="b"/>
+                      <a:r>
+                        <a:rPr lang="en-US" sz="1800" u="none" strike="noStrike" dirty="0">
+                          <a:effectLst/>
+                        </a:rPr>
+                        <a:t>Ward</a:t>
+                      </a:r>
+                      <a:endParaRPr lang="en-US" sz="1800" b="0" i="0" u="none" strike="noStrike" dirty="0">
+                        <a:solidFill>
+                          <a:srgbClr val="000000"/>
+                        </a:solidFill>
+                        <a:effectLst/>
+                        <a:latin typeface="Calibri" panose="020F0502020204030204" pitchFamily="34" charset="0"/>
+                      </a:endParaRPr>
+                    </a:p>
+                  </a:txBody>
+                  <a:tcPr marL="6350" marR="6350" marT="6350" marB="0" anchor="ctr"/>
+                </a:tc>
+                <a:tc>
+                  <a:txBody>
+                    <a:bodyPr/>
+                    <a:lstStyle/>
+                    <a:p>
+                      <a:pPr algn="ctr" fontAlgn="b"/>
+                      <a:r>
+                        <a:rPr lang="en-US" sz="1800" u="none" strike="noStrike" dirty="0">
+                          <a:effectLst/>
+                        </a:rPr>
+                        <a:t>Longitude</a:t>
+                      </a:r>
+                      <a:endParaRPr lang="en-US" sz="1800" b="0" i="0" u="none" strike="noStrike" dirty="0">
+                        <a:solidFill>
+                          <a:srgbClr val="000000"/>
+                        </a:solidFill>
+                        <a:effectLst/>
+                        <a:latin typeface="Calibri" panose="020F0502020204030204" pitchFamily="34" charset="0"/>
+                      </a:endParaRPr>
+                    </a:p>
+                  </a:txBody>
+                  <a:tcPr marL="6350" marR="6350" marT="6350" marB="0" anchor="ctr"/>
+                </a:tc>
+                <a:tc>
+                  <a:txBody>
+                    <a:bodyPr/>
+                    <a:lstStyle/>
+                    <a:p>
+                      <a:pPr algn="ctr" fontAlgn="b"/>
+                      <a:r>
+                        <a:rPr lang="en-US" sz="1800" u="none" strike="noStrike" dirty="0">
+                          <a:effectLst/>
+                        </a:rPr>
+                        <a:t>Latitude</a:t>
+                      </a:r>
+                      <a:endParaRPr lang="en-US" sz="1800" b="0" i="0" u="none" strike="noStrike" dirty="0">
+                        <a:solidFill>
+                          <a:srgbClr val="000000"/>
+                        </a:solidFill>
+                        <a:effectLst/>
+                        <a:latin typeface="Calibri" panose="020F0502020204030204" pitchFamily="34" charset="0"/>
+                      </a:endParaRPr>
+                    </a:p>
+                  </a:txBody>
+                  <a:tcPr marL="6350" marR="6350" marT="6350" marB="0" anchor="ctr"/>
+                </a:tc>
+                <a:extLst>
+                  <a:ext uri="{0D108BD9-81ED-4DB2-BD59-A6C34878D82A}">
+                    <a16:rowId xmlns:a16="http://schemas.microsoft.com/office/drawing/2014/main" val="1540389469"/>
+                  </a:ext>
+                </a:extLst>
+              </a:tr>
+              <a:tr h="533074">
+                <a:tc>
+                  <a:txBody>
+                    <a:bodyPr/>
+                    <a:lstStyle/>
+                    <a:p>
+                      <a:pPr algn="ctr" fontAlgn="b"/>
+                      <a:r>
+                        <a:rPr lang="en-US" sz="1800" u="none" strike="noStrike">
+                          <a:effectLst/>
+                        </a:rPr>
+                        <a:t>Akabane</a:t>
+                      </a:r>
+                      <a:endParaRPr lang="en-US" sz="1800" b="0" i="0" u="none" strike="noStrike">
+                        <a:solidFill>
+                          <a:srgbClr val="000000"/>
+                        </a:solidFill>
+                        <a:effectLst/>
+                        <a:latin typeface="Calibri" panose="020F0502020204030204" pitchFamily="34" charset="0"/>
+                      </a:endParaRPr>
+                    </a:p>
+                  </a:txBody>
+                  <a:tcPr marL="6350" marR="6350" marT="6350" marB="0" anchor="ctr"/>
+                </a:tc>
+                <a:tc>
+                  <a:txBody>
+                    <a:bodyPr/>
+                    <a:lstStyle/>
+                    <a:p>
+                      <a:pPr algn="ctr" fontAlgn="b"/>
+                      <a:r>
+                        <a:rPr lang="en-US" sz="1800" u="none" strike="noStrike" dirty="0">
+                          <a:effectLst/>
+                        </a:rPr>
+                        <a:t>Kita</a:t>
+                      </a:r>
+                      <a:endParaRPr lang="en-US" sz="1800" b="0" i="0" u="none" strike="noStrike" dirty="0">
+                        <a:solidFill>
+                          <a:srgbClr val="000000"/>
+                        </a:solidFill>
+                        <a:effectLst/>
+                        <a:latin typeface="Calibri" panose="020F0502020204030204" pitchFamily="34" charset="0"/>
+                      </a:endParaRPr>
+                    </a:p>
+                  </a:txBody>
+                  <a:tcPr marL="6350" marR="6350" marT="6350" marB="0" anchor="ctr"/>
+                </a:tc>
+                <a:tc>
+                  <a:txBody>
+                    <a:bodyPr/>
+                    <a:lstStyle/>
+                    <a:p>
+                      <a:pPr algn="ctr" fontAlgn="b"/>
+                      <a:r>
+                        <a:rPr lang="en-US" sz="1800" u="none" strike="noStrike" dirty="0">
+                          <a:effectLst/>
+                        </a:rPr>
+                        <a:t>139.7208</a:t>
+                      </a:r>
+                      <a:endParaRPr lang="en-US" sz="1800" b="0" i="0" u="none" strike="noStrike" dirty="0">
+                        <a:solidFill>
+                          <a:srgbClr val="000000"/>
+                        </a:solidFill>
+                        <a:effectLst/>
+                        <a:latin typeface="Calibri" panose="020F0502020204030204" pitchFamily="34" charset="0"/>
+                      </a:endParaRPr>
+                    </a:p>
+                  </a:txBody>
+                  <a:tcPr marL="6350" marR="6350" marT="6350" marB="0" anchor="ctr"/>
+                </a:tc>
+                <a:tc>
+                  <a:txBody>
+                    <a:bodyPr/>
+                    <a:lstStyle/>
+                    <a:p>
+                      <a:pPr algn="ctr" fontAlgn="b"/>
+                      <a:r>
+                        <a:rPr lang="en-US" sz="1800" u="none" strike="noStrike">
+                          <a:effectLst/>
+                        </a:rPr>
+                        <a:t>35.77814</a:t>
+                      </a:r>
+                      <a:endParaRPr lang="en-US" sz="1800" b="0" i="0" u="none" strike="noStrike">
+                        <a:solidFill>
+                          <a:srgbClr val="000000"/>
+                        </a:solidFill>
+                        <a:effectLst/>
+                        <a:latin typeface="Calibri" panose="020F0502020204030204" pitchFamily="34" charset="0"/>
+                      </a:endParaRPr>
+                    </a:p>
+                  </a:txBody>
+                  <a:tcPr marL="6350" marR="6350" marT="6350" marB="0" anchor="ctr"/>
+                </a:tc>
+                <a:extLst>
+                  <a:ext uri="{0D108BD9-81ED-4DB2-BD59-A6C34878D82A}">
+                    <a16:rowId xmlns:a16="http://schemas.microsoft.com/office/drawing/2014/main" val="3596445229"/>
+                  </a:ext>
+                </a:extLst>
+              </a:tr>
+              <a:tr h="533074">
+                <a:tc>
+                  <a:txBody>
+                    <a:bodyPr/>
+                    <a:lstStyle/>
+                    <a:p>
+                      <a:pPr algn="ctr" fontAlgn="b"/>
+                      <a:r>
+                        <a:rPr lang="en-US" sz="1800" u="none" strike="noStrike" dirty="0">
+                          <a:effectLst/>
+                        </a:rPr>
+                        <a:t>Akihabara</a:t>
+                      </a:r>
+                      <a:endParaRPr lang="en-US" sz="1800" b="0" i="0" u="none" strike="noStrike" dirty="0">
+                        <a:solidFill>
+                          <a:srgbClr val="000000"/>
+                        </a:solidFill>
+                        <a:effectLst/>
+                        <a:latin typeface="Calibri" panose="020F0502020204030204" pitchFamily="34" charset="0"/>
+                      </a:endParaRPr>
+                    </a:p>
+                  </a:txBody>
+                  <a:tcPr marL="6350" marR="6350" marT="6350" marB="0" anchor="ctr"/>
+                </a:tc>
+                <a:tc>
+                  <a:txBody>
+                    <a:bodyPr/>
+                    <a:lstStyle/>
+                    <a:p>
+                      <a:pPr algn="ctr" fontAlgn="b"/>
+                      <a:r>
+                        <a:rPr lang="en-US" sz="1800" u="none" strike="noStrike" dirty="0">
+                          <a:effectLst/>
+                        </a:rPr>
+                        <a:t>Chiyoda</a:t>
+                      </a:r>
+                      <a:endParaRPr lang="en-US" sz="1800" b="0" i="0" u="none" strike="noStrike" dirty="0">
+                        <a:solidFill>
+                          <a:srgbClr val="000000"/>
+                        </a:solidFill>
+                        <a:effectLst/>
+                        <a:latin typeface="Calibri" panose="020F0502020204030204" pitchFamily="34" charset="0"/>
+                      </a:endParaRPr>
+                    </a:p>
+                  </a:txBody>
+                  <a:tcPr marL="6350" marR="6350" marT="6350" marB="0" anchor="ctr"/>
+                </a:tc>
+                <a:tc>
+                  <a:txBody>
+                    <a:bodyPr/>
+                    <a:lstStyle/>
+                    <a:p>
+                      <a:pPr algn="ctr" fontAlgn="b"/>
+                      <a:r>
+                        <a:rPr lang="en-US" sz="1800" u="none" strike="noStrike">
+                          <a:effectLst/>
+                        </a:rPr>
+                        <a:t>139.7713</a:t>
+                      </a:r>
+                      <a:endParaRPr lang="en-US" sz="1800" b="0" i="0" u="none" strike="noStrike">
+                        <a:solidFill>
+                          <a:srgbClr val="000000"/>
+                        </a:solidFill>
+                        <a:effectLst/>
+                        <a:latin typeface="Calibri" panose="020F0502020204030204" pitchFamily="34" charset="0"/>
+                      </a:endParaRPr>
+                    </a:p>
+                  </a:txBody>
+                  <a:tcPr marL="6350" marR="6350" marT="6350" marB="0" anchor="ctr"/>
+                </a:tc>
+                <a:tc>
+                  <a:txBody>
+                    <a:bodyPr/>
+                    <a:lstStyle/>
+                    <a:p>
+                      <a:pPr algn="ctr" fontAlgn="b"/>
+                      <a:r>
+                        <a:rPr lang="en-US" sz="1800" u="none" strike="noStrike">
+                          <a:effectLst/>
+                        </a:rPr>
+                        <a:t>35.69974</a:t>
+                      </a:r>
+                      <a:endParaRPr lang="en-US" sz="1800" b="0" i="0" u="none" strike="noStrike">
+                        <a:solidFill>
+                          <a:srgbClr val="000000"/>
+                        </a:solidFill>
+                        <a:effectLst/>
+                        <a:latin typeface="Calibri" panose="020F0502020204030204" pitchFamily="34" charset="0"/>
+                      </a:endParaRPr>
+                    </a:p>
+                  </a:txBody>
+                  <a:tcPr marL="6350" marR="6350" marT="6350" marB="0" anchor="ctr"/>
+                </a:tc>
+                <a:extLst>
+                  <a:ext uri="{0D108BD9-81ED-4DB2-BD59-A6C34878D82A}">
+                    <a16:rowId xmlns:a16="http://schemas.microsoft.com/office/drawing/2014/main" val="2438163433"/>
+                  </a:ext>
+                </a:extLst>
+              </a:tr>
+              <a:tr h="533074">
+                <a:tc>
+                  <a:txBody>
+                    <a:bodyPr/>
+                    <a:lstStyle/>
+                    <a:p>
+                      <a:pPr algn="ctr" fontAlgn="b"/>
+                      <a:r>
+                        <a:rPr lang="en-US" sz="1800" u="none" strike="noStrike">
+                          <a:effectLst/>
+                        </a:rPr>
+                        <a:t>Aobadai</a:t>
+                      </a:r>
+                      <a:endParaRPr lang="en-US" sz="1800" b="0" i="0" u="none" strike="noStrike">
+                        <a:solidFill>
+                          <a:srgbClr val="000000"/>
+                        </a:solidFill>
+                        <a:effectLst/>
+                        <a:latin typeface="Calibri" panose="020F0502020204030204" pitchFamily="34" charset="0"/>
+                      </a:endParaRPr>
+                    </a:p>
+                  </a:txBody>
+                  <a:tcPr marL="6350" marR="6350" marT="6350" marB="0" anchor="ctr"/>
+                </a:tc>
+                <a:tc>
+                  <a:txBody>
+                    <a:bodyPr/>
+                    <a:lstStyle/>
+                    <a:p>
+                      <a:pPr algn="ctr" fontAlgn="b"/>
+                      <a:r>
+                        <a:rPr lang="en-US" sz="1800" u="none" strike="noStrike">
+                          <a:effectLst/>
+                        </a:rPr>
+                        <a:t>Meguro</a:t>
+                      </a:r>
+                      <a:endParaRPr lang="en-US" sz="1800" b="0" i="0" u="none" strike="noStrike">
+                        <a:solidFill>
+                          <a:srgbClr val="000000"/>
+                        </a:solidFill>
+                        <a:effectLst/>
+                        <a:latin typeface="Calibri" panose="020F0502020204030204" pitchFamily="34" charset="0"/>
+                      </a:endParaRPr>
+                    </a:p>
+                  </a:txBody>
+                  <a:tcPr marL="6350" marR="6350" marT="6350" marB="0" anchor="ctr"/>
+                </a:tc>
+                <a:tc>
+                  <a:txBody>
+                    <a:bodyPr/>
+                    <a:lstStyle/>
+                    <a:p>
+                      <a:pPr algn="ctr" fontAlgn="b"/>
+                      <a:r>
+                        <a:rPr lang="en-US" sz="1800" u="none" strike="noStrike">
+                          <a:effectLst/>
+                        </a:rPr>
+                        <a:t>139.6943</a:t>
+                      </a:r>
+                      <a:endParaRPr lang="en-US" sz="1800" b="0" i="0" u="none" strike="noStrike">
+                        <a:solidFill>
+                          <a:srgbClr val="000000"/>
+                        </a:solidFill>
+                        <a:effectLst/>
+                        <a:latin typeface="Calibri" panose="020F0502020204030204" pitchFamily="34" charset="0"/>
+                      </a:endParaRPr>
+                    </a:p>
+                  </a:txBody>
+                  <a:tcPr marL="6350" marR="6350" marT="6350" marB="0" anchor="ctr"/>
+                </a:tc>
+                <a:tc>
+                  <a:txBody>
+                    <a:bodyPr/>
+                    <a:lstStyle/>
+                    <a:p>
+                      <a:pPr algn="ctr" fontAlgn="b"/>
+                      <a:r>
+                        <a:rPr lang="en-US" sz="1800" u="none" strike="noStrike">
+                          <a:effectLst/>
+                        </a:rPr>
+                        <a:t>35.6509</a:t>
+                      </a:r>
+                      <a:endParaRPr lang="en-US" sz="1800" b="0" i="0" u="none" strike="noStrike">
+                        <a:solidFill>
+                          <a:srgbClr val="000000"/>
+                        </a:solidFill>
+                        <a:effectLst/>
+                        <a:latin typeface="Calibri" panose="020F0502020204030204" pitchFamily="34" charset="0"/>
+                      </a:endParaRPr>
+                    </a:p>
+                  </a:txBody>
+                  <a:tcPr marL="6350" marR="6350" marT="6350" marB="0" anchor="ctr"/>
+                </a:tc>
+                <a:extLst>
+                  <a:ext uri="{0D108BD9-81ED-4DB2-BD59-A6C34878D82A}">
+                    <a16:rowId xmlns:a16="http://schemas.microsoft.com/office/drawing/2014/main" val="2086935046"/>
+                  </a:ext>
+                </a:extLst>
+              </a:tr>
+              <a:tr h="533074">
+                <a:tc>
+                  <a:txBody>
+                    <a:bodyPr/>
+                    <a:lstStyle/>
+                    <a:p>
+                      <a:pPr algn="ctr" fontAlgn="b"/>
+                      <a:r>
+                        <a:rPr lang="en-US" sz="1800" u="none" strike="noStrike" dirty="0" err="1">
+                          <a:effectLst/>
+                        </a:rPr>
+                        <a:t>Aomi</a:t>
+                      </a:r>
+                      <a:endParaRPr lang="en-US" sz="1800" b="0" i="0" u="none" strike="noStrike" dirty="0">
+                        <a:solidFill>
+                          <a:srgbClr val="000000"/>
+                        </a:solidFill>
+                        <a:effectLst/>
+                        <a:latin typeface="Calibri" panose="020F0502020204030204" pitchFamily="34" charset="0"/>
+                      </a:endParaRPr>
+                    </a:p>
+                  </a:txBody>
+                  <a:tcPr marL="6350" marR="6350" marT="6350" marB="0" anchor="ctr"/>
+                </a:tc>
+                <a:tc>
+                  <a:txBody>
+                    <a:bodyPr/>
+                    <a:lstStyle/>
+                    <a:p>
+                      <a:pPr algn="ctr" fontAlgn="b"/>
+                      <a:r>
+                        <a:rPr lang="en-US" sz="1800" u="none" strike="noStrike">
+                          <a:effectLst/>
+                        </a:rPr>
+                        <a:t>Koto</a:t>
+                      </a:r>
+                      <a:endParaRPr lang="en-US" sz="1800" b="0" i="0" u="none" strike="noStrike">
+                        <a:solidFill>
+                          <a:srgbClr val="000000"/>
+                        </a:solidFill>
+                        <a:effectLst/>
+                        <a:latin typeface="Calibri" panose="020F0502020204030204" pitchFamily="34" charset="0"/>
+                      </a:endParaRPr>
+                    </a:p>
+                  </a:txBody>
+                  <a:tcPr marL="6350" marR="6350" marT="6350" marB="0" anchor="ctr"/>
+                </a:tc>
+                <a:tc>
+                  <a:txBody>
+                    <a:bodyPr/>
+                    <a:lstStyle/>
+                    <a:p>
+                      <a:pPr algn="ctr" fontAlgn="b"/>
+                      <a:r>
+                        <a:rPr lang="en-US" sz="1800" u="none" strike="noStrike">
+                          <a:effectLst/>
+                        </a:rPr>
+                        <a:t>139.7812</a:t>
+                      </a:r>
+                      <a:endParaRPr lang="en-US" sz="1800" b="0" i="0" u="none" strike="noStrike">
+                        <a:solidFill>
+                          <a:srgbClr val="000000"/>
+                        </a:solidFill>
+                        <a:effectLst/>
+                        <a:latin typeface="Calibri" panose="020F0502020204030204" pitchFamily="34" charset="0"/>
+                      </a:endParaRPr>
+                    </a:p>
+                  </a:txBody>
+                  <a:tcPr marL="6350" marR="6350" marT="6350" marB="0" anchor="ctr"/>
+                </a:tc>
+                <a:tc>
+                  <a:txBody>
+                    <a:bodyPr/>
+                    <a:lstStyle/>
+                    <a:p>
+                      <a:pPr algn="ctr" fontAlgn="b"/>
+                      <a:r>
+                        <a:rPr lang="en-US" sz="1800" u="none" strike="noStrike" dirty="0">
+                          <a:effectLst/>
+                        </a:rPr>
+                        <a:t>35.62478</a:t>
+                      </a:r>
+                      <a:endParaRPr lang="en-US" sz="1800" b="0" i="0" u="none" strike="noStrike" dirty="0">
+                        <a:solidFill>
+                          <a:srgbClr val="000000"/>
+                        </a:solidFill>
+                        <a:effectLst/>
+                        <a:latin typeface="Calibri" panose="020F0502020204030204" pitchFamily="34" charset="0"/>
+                      </a:endParaRPr>
+                    </a:p>
+                  </a:txBody>
+                  <a:tcPr marL="6350" marR="6350" marT="6350" marB="0" anchor="ctr"/>
+                </a:tc>
+                <a:extLst>
+                  <a:ext uri="{0D108BD9-81ED-4DB2-BD59-A6C34878D82A}">
+                    <a16:rowId xmlns:a16="http://schemas.microsoft.com/office/drawing/2014/main" val="909470317"/>
+                  </a:ext>
+                </a:extLst>
+              </a:tr>
+            </a:tbl>
+          </a:graphicData>
+        </a:graphic>
+      </p:graphicFrame>
+    </p:spTree>
+    <p:extLst>
+      <p:ext uri="{BB962C8B-B14F-4D97-AF65-F5344CB8AC3E}">
+        <p14:creationId xmlns:p14="http://schemas.microsoft.com/office/powerpoint/2010/main" val="1529677086"/>
+      </p:ext>
+    </p:extLst>
+  </p:cSld>
+  <p:clrMapOvr>
+    <a:masterClrMapping/>
+  </p:clrMapOvr>
+</p:sld>
+</file>
+
+<file path=ppt/slides/slide4.xml><?xml version="1.0" encoding="utf-8"?>
+<p:sld xmlns:a="http://schemas.openxmlformats.org/drawingml/2006/main" xmlns:r="http://schemas.openxmlformats.org/officeDocument/2006/relationships" xmlns:p="http://schemas.openxmlformats.org/presentationml/2006/main">
+  <p:cSld>
+    <p:spTree>
+      <p:nvGrpSpPr>
+        <p:cNvPr id="1" name=""/>
+        <p:cNvGrpSpPr/>
+        <p:nvPr/>
+      </p:nvGrpSpPr>
+      <p:grpSpPr>
+        <a:xfrm>
+          <a:off x="0" y="0"/>
+          <a:ext cx="0" cy="0"/>
+          <a:chOff x="0" y="0"/>
+          <a:chExt cx="0" cy="0"/>
+        </a:xfrm>
+      </p:grpSpPr>
+      <p:pic>
+        <p:nvPicPr>
+          <p:cNvPr id="5" name="Content Placeholder 4"/>
+          <p:cNvPicPr>
+            <a:picLocks noGrp="1" noChangeAspect="1"/>
+          </p:cNvPicPr>
+          <p:nvPr>
+            <p:ph sz="half" idx="2"/>
+          </p:nvPr>
+        </p:nvPicPr>
+        <p:blipFill>
+          <a:blip r:embed="rId2">
+            <a:extLst>
+              <a:ext uri="{28A0092B-C50C-407E-A947-70E740481C1C}">
+                <a14:useLocalDpi xmlns:a14="http://schemas.microsoft.com/office/drawing/2010/main" val="0"/>
+              </a:ext>
+            </a:extLst>
+          </a:blip>
+          <a:stretch>
+            <a:fillRect/>
+          </a:stretch>
+        </p:blipFill>
+        <p:spPr>
+          <a:xfrm>
+            <a:off x="1812272" y="1335024"/>
+            <a:ext cx="8512425" cy="4716936"/>
+          </a:xfrm>
+        </p:spPr>
+      </p:pic>
       <p:sp>
         <p:nvSpPr>
-          <p:cNvPr id="4" name="Content Placeholder 3"/>
+          <p:cNvPr id="2" name="Title 1"/>
           <p:cNvSpPr>
             <a:spLocks noGrp="1"/>
           </p:cNvSpPr>
           <p:nvPr>
-            <p:ph sz="half" idx="2"/>
+            <p:ph type="title"/>
           </p:nvPr>
         </p:nvSpPr>
         <p:spPr/>
@@ -21104,14 +22746,441 @@
           <a:bodyPr/>
           <a:lstStyle/>
           <a:p>
-            <a:endParaRPr lang="en-US"/>
+            <a:r>
+              <a:rPr lang="en-US" dirty="0" smtClean="0"/>
+              <a:t>Methodology</a:t>
+            </a:r>
+            <a:endParaRPr lang="en-US" dirty="0"/>
+          </a:p>
+        </p:txBody>
+      </p:sp>
+      <p:sp>
+        <p:nvSpPr>
+          <p:cNvPr id="3" name="Content Placeholder 2"/>
+          <p:cNvSpPr>
+            <a:spLocks noGrp="1"/>
+          </p:cNvSpPr>
+          <p:nvPr>
+            <p:ph sz="half" idx="1"/>
+          </p:nvPr>
+        </p:nvSpPr>
+        <p:spPr>
+          <a:xfrm>
+            <a:off x="3691044" y="6051960"/>
+            <a:ext cx="4754880" cy="585537"/>
+          </a:xfrm>
+        </p:spPr>
+        <p:txBody>
+          <a:bodyPr/>
+          <a:lstStyle/>
+          <a:p>
+            <a:r>
+              <a:rPr lang="en-US" dirty="0" smtClean="0"/>
+              <a:t>Wards colored by population density</a:t>
+            </a:r>
+            <a:endParaRPr lang="en-US" dirty="0"/>
           </a:p>
         </p:txBody>
       </p:sp>
     </p:spTree>
     <p:extLst>
       <p:ext uri="{BB962C8B-B14F-4D97-AF65-F5344CB8AC3E}">
-        <p14:creationId xmlns:p14="http://schemas.microsoft.com/office/powerpoint/2010/main" val="1529677086"/>
+        <p14:creationId xmlns:p14="http://schemas.microsoft.com/office/powerpoint/2010/main" val="3516432056"/>
+      </p:ext>
+    </p:extLst>
+  </p:cSld>
+  <p:clrMapOvr>
+    <a:masterClrMapping/>
+  </p:clrMapOvr>
+</p:sld>
+</file>
+
+<file path=ppt/slides/slide5.xml><?xml version="1.0" encoding="utf-8"?>
+<p:sld xmlns:a="http://schemas.openxmlformats.org/drawingml/2006/main" xmlns:r="http://schemas.openxmlformats.org/officeDocument/2006/relationships" xmlns:p="http://schemas.openxmlformats.org/presentationml/2006/main">
+  <p:cSld>
+    <p:spTree>
+      <p:nvGrpSpPr>
+        <p:cNvPr id="1" name=""/>
+        <p:cNvGrpSpPr/>
+        <p:nvPr/>
+      </p:nvGrpSpPr>
+      <p:grpSpPr>
+        <a:xfrm>
+          <a:off x="0" y="0"/>
+          <a:ext cx="0" cy="0"/>
+          <a:chOff x="0" y="0"/>
+          <a:chExt cx="0" cy="0"/>
+        </a:xfrm>
+      </p:grpSpPr>
+      <p:sp>
+        <p:nvSpPr>
+          <p:cNvPr id="2" name="Title 1"/>
+          <p:cNvSpPr>
+            <a:spLocks noGrp="1"/>
+          </p:cNvSpPr>
+          <p:nvPr>
+            <p:ph type="title"/>
+          </p:nvPr>
+        </p:nvSpPr>
+        <p:spPr/>
+        <p:txBody>
+          <a:bodyPr/>
+          <a:lstStyle/>
+          <a:p>
+            <a:r>
+              <a:rPr lang="en-US" dirty="0" smtClean="0"/>
+              <a:t>Districts Locations in the wards</a:t>
+            </a:r>
+            <a:endParaRPr lang="en-US" dirty="0"/>
+          </a:p>
+        </p:txBody>
+      </p:sp>
+      <p:pic>
+        <p:nvPicPr>
+          <p:cNvPr id="4" name="Content Placeholder 3"/>
+          <p:cNvPicPr>
+            <a:picLocks noGrp="1" noChangeAspect="1"/>
+          </p:cNvPicPr>
+          <p:nvPr>
+            <p:ph idx="1"/>
+          </p:nvPr>
+        </p:nvPicPr>
+        <p:blipFill>
+          <a:blip r:embed="rId2">
+            <a:extLst>
+              <a:ext uri="{28A0092B-C50C-407E-A947-70E740481C1C}">
+                <a14:useLocalDpi xmlns:a14="http://schemas.microsoft.com/office/drawing/2010/main" val="0"/>
+              </a:ext>
+            </a:extLst>
+          </a:blip>
+          <a:stretch>
+            <a:fillRect/>
+          </a:stretch>
+        </p:blipFill>
+        <p:spPr>
+          <a:xfrm>
+            <a:off x="2517411" y="2286000"/>
+            <a:ext cx="6733316" cy="4022725"/>
+          </a:xfrm>
+        </p:spPr>
+      </p:pic>
+    </p:spTree>
+    <p:extLst>
+      <p:ext uri="{BB962C8B-B14F-4D97-AF65-F5344CB8AC3E}">
+        <p14:creationId xmlns:p14="http://schemas.microsoft.com/office/powerpoint/2010/main" val="3170306792"/>
+      </p:ext>
+    </p:extLst>
+  </p:cSld>
+  <p:clrMapOvr>
+    <a:masterClrMapping/>
+  </p:clrMapOvr>
+</p:sld>
+</file>
+
+<file path=ppt/slides/slide6.xml><?xml version="1.0" encoding="utf-8"?>
+<p:sld xmlns:a="http://schemas.openxmlformats.org/drawingml/2006/main" xmlns:r="http://schemas.openxmlformats.org/officeDocument/2006/relationships" xmlns:p="http://schemas.openxmlformats.org/presentationml/2006/main">
+  <p:cSld>
+    <p:spTree>
+      <p:nvGrpSpPr>
+        <p:cNvPr id="1" name=""/>
+        <p:cNvGrpSpPr/>
+        <p:nvPr/>
+      </p:nvGrpSpPr>
+      <p:grpSpPr>
+        <a:xfrm>
+          <a:off x="0" y="0"/>
+          <a:ext cx="0" cy="0"/>
+          <a:chOff x="0" y="0"/>
+          <a:chExt cx="0" cy="0"/>
+        </a:xfrm>
+      </p:grpSpPr>
+      <p:sp>
+        <p:nvSpPr>
+          <p:cNvPr id="2" name="Title 1"/>
+          <p:cNvSpPr>
+            <a:spLocks noGrp="1"/>
+          </p:cNvSpPr>
+          <p:nvPr>
+            <p:ph type="title"/>
+          </p:nvPr>
+        </p:nvSpPr>
+        <p:spPr/>
+        <p:txBody>
+          <a:bodyPr/>
+          <a:lstStyle/>
+          <a:p>
+            <a:r>
+              <a:rPr lang="en-US" dirty="0" err="1" smtClean="0"/>
+              <a:t>Kmeans</a:t>
+            </a:r>
+            <a:r>
+              <a:rPr lang="en-US" dirty="0" smtClean="0"/>
+              <a:t> 5 clusters</a:t>
+            </a:r>
+            <a:endParaRPr lang="en-US" dirty="0"/>
+          </a:p>
+        </p:txBody>
+      </p:sp>
+      <p:pic>
+        <p:nvPicPr>
+          <p:cNvPr id="4" name="Content Placeholder 3"/>
+          <p:cNvPicPr>
+            <a:picLocks noGrp="1" noChangeAspect="1"/>
+          </p:cNvPicPr>
+          <p:nvPr>
+            <p:ph idx="1"/>
+          </p:nvPr>
+        </p:nvPicPr>
+        <p:blipFill>
+          <a:blip r:embed="rId2">
+            <a:extLst>
+              <a:ext uri="{28A0092B-C50C-407E-A947-70E740481C1C}">
+                <a14:useLocalDpi xmlns:a14="http://schemas.microsoft.com/office/drawing/2010/main" val="0"/>
+              </a:ext>
+            </a:extLst>
+          </a:blip>
+          <a:stretch>
+            <a:fillRect/>
+          </a:stretch>
+        </p:blipFill>
+        <p:spPr>
+          <a:xfrm>
+            <a:off x="775160" y="2197768"/>
+            <a:ext cx="10745878" cy="3831640"/>
+          </a:xfrm>
+        </p:spPr>
+      </p:pic>
+    </p:spTree>
+    <p:extLst>
+      <p:ext uri="{BB962C8B-B14F-4D97-AF65-F5344CB8AC3E}">
+        <p14:creationId xmlns:p14="http://schemas.microsoft.com/office/powerpoint/2010/main" val="37598035"/>
+      </p:ext>
+    </p:extLst>
+  </p:cSld>
+  <p:clrMapOvr>
+    <a:masterClrMapping/>
+  </p:clrMapOvr>
+</p:sld>
+</file>
+
+<file path=ppt/slides/slide7.xml><?xml version="1.0" encoding="utf-8"?>
+<p:sld xmlns:a="http://schemas.openxmlformats.org/drawingml/2006/main" xmlns:r="http://schemas.openxmlformats.org/officeDocument/2006/relationships" xmlns:p="http://schemas.openxmlformats.org/presentationml/2006/main">
+  <p:cSld>
+    <p:spTree>
+      <p:nvGrpSpPr>
+        <p:cNvPr id="1" name=""/>
+        <p:cNvGrpSpPr/>
+        <p:nvPr/>
+      </p:nvGrpSpPr>
+      <p:grpSpPr>
+        <a:xfrm>
+          <a:off x="0" y="0"/>
+          <a:ext cx="0" cy="0"/>
+          <a:chOff x="0" y="0"/>
+          <a:chExt cx="0" cy="0"/>
+        </a:xfrm>
+      </p:grpSpPr>
+      <p:sp>
+        <p:nvSpPr>
+          <p:cNvPr id="2" name="Title 1"/>
+          <p:cNvSpPr>
+            <a:spLocks noGrp="1"/>
+          </p:cNvSpPr>
+          <p:nvPr>
+            <p:ph type="title"/>
+          </p:nvPr>
+        </p:nvSpPr>
+        <p:spPr/>
+        <p:txBody>
+          <a:bodyPr/>
+          <a:lstStyle/>
+          <a:p>
+            <a:r>
+              <a:rPr lang="en-US" dirty="0" err="1" smtClean="0"/>
+              <a:t>Kmeans</a:t>
+            </a:r>
+            <a:r>
+              <a:rPr lang="en-US" dirty="0" smtClean="0"/>
+              <a:t> 4 clusters</a:t>
+            </a:r>
+            <a:endParaRPr lang="en-US" dirty="0"/>
+          </a:p>
+        </p:txBody>
+      </p:sp>
+      <p:pic>
+        <p:nvPicPr>
+          <p:cNvPr id="4" name="Content Placeholder 3"/>
+          <p:cNvPicPr>
+            <a:picLocks noGrp="1" noChangeAspect="1"/>
+          </p:cNvPicPr>
+          <p:nvPr>
+            <p:ph idx="1"/>
+          </p:nvPr>
+        </p:nvPicPr>
+        <p:blipFill>
+          <a:blip r:embed="rId2">
+            <a:extLst>
+              <a:ext uri="{28A0092B-C50C-407E-A947-70E740481C1C}">
+                <a14:useLocalDpi xmlns:a14="http://schemas.microsoft.com/office/drawing/2010/main" val="0"/>
+              </a:ext>
+            </a:extLst>
+          </a:blip>
+          <a:stretch>
+            <a:fillRect/>
+          </a:stretch>
+        </p:blipFill>
+        <p:spPr>
+          <a:xfrm>
+            <a:off x="2444484" y="2084832"/>
+            <a:ext cx="7325157" cy="4406846"/>
+          </a:xfrm>
+        </p:spPr>
+      </p:pic>
+    </p:spTree>
+    <p:extLst>
+      <p:ext uri="{BB962C8B-B14F-4D97-AF65-F5344CB8AC3E}">
+        <p14:creationId xmlns:p14="http://schemas.microsoft.com/office/powerpoint/2010/main" val="1617898727"/>
+      </p:ext>
+    </p:extLst>
+  </p:cSld>
+  <p:clrMapOvr>
+    <a:masterClrMapping/>
+  </p:clrMapOvr>
+</p:sld>
+</file>
+
+<file path=ppt/slides/slide8.xml><?xml version="1.0" encoding="utf-8"?>
+<p:sld xmlns:a="http://schemas.openxmlformats.org/drawingml/2006/main" xmlns:r="http://schemas.openxmlformats.org/officeDocument/2006/relationships" xmlns:p="http://schemas.openxmlformats.org/presentationml/2006/main">
+  <p:cSld>
+    <p:spTree>
+      <p:nvGrpSpPr>
+        <p:cNvPr id="1" name=""/>
+        <p:cNvGrpSpPr/>
+        <p:nvPr/>
+      </p:nvGrpSpPr>
+      <p:grpSpPr>
+        <a:xfrm>
+          <a:off x="0" y="0"/>
+          <a:ext cx="0" cy="0"/>
+          <a:chOff x="0" y="0"/>
+          <a:chExt cx="0" cy="0"/>
+        </a:xfrm>
+      </p:grpSpPr>
+      <p:sp>
+        <p:nvSpPr>
+          <p:cNvPr id="2" name="Title 1"/>
+          <p:cNvSpPr>
+            <a:spLocks noGrp="1"/>
+          </p:cNvSpPr>
+          <p:nvPr>
+            <p:ph type="title"/>
+          </p:nvPr>
+        </p:nvSpPr>
+        <p:spPr/>
+        <p:txBody>
+          <a:bodyPr/>
+          <a:lstStyle/>
+          <a:p>
+            <a:r>
+              <a:rPr lang="en-US" dirty="0" smtClean="0"/>
+              <a:t>Two most common venues for each district in each cluster</a:t>
+            </a:r>
+            <a:endParaRPr lang="en-US" dirty="0"/>
+          </a:p>
+        </p:txBody>
+      </p:sp>
+      <p:pic>
+        <p:nvPicPr>
+          <p:cNvPr id="4" name="Content Placeholder 3"/>
+          <p:cNvPicPr>
+            <a:picLocks noGrp="1" noChangeAspect="1"/>
+          </p:cNvPicPr>
+          <p:nvPr>
+            <p:ph idx="1"/>
+          </p:nvPr>
+        </p:nvPicPr>
+        <p:blipFill>
+          <a:blip r:embed="rId2">
+            <a:extLst>
+              <a:ext uri="{28A0092B-C50C-407E-A947-70E740481C1C}">
+                <a14:useLocalDpi xmlns:a14="http://schemas.microsoft.com/office/drawing/2010/main" val="0"/>
+              </a:ext>
+            </a:extLst>
+          </a:blip>
+          <a:stretch>
+            <a:fillRect/>
+          </a:stretch>
+        </p:blipFill>
+        <p:spPr>
+          <a:xfrm>
+            <a:off x="2371821" y="2390273"/>
+            <a:ext cx="7024686" cy="3920755"/>
+          </a:xfrm>
+        </p:spPr>
+      </p:pic>
+    </p:spTree>
+    <p:extLst>
+      <p:ext uri="{BB962C8B-B14F-4D97-AF65-F5344CB8AC3E}">
+        <p14:creationId xmlns:p14="http://schemas.microsoft.com/office/powerpoint/2010/main" val="2192007776"/>
+      </p:ext>
+    </p:extLst>
+  </p:cSld>
+  <p:clrMapOvr>
+    <a:masterClrMapping/>
+  </p:clrMapOvr>
+</p:sld>
+</file>
+
+<file path=ppt/slides/slide9.xml><?xml version="1.0" encoding="utf-8"?>
+<p:sld xmlns:a="http://schemas.openxmlformats.org/drawingml/2006/main" xmlns:r="http://schemas.openxmlformats.org/officeDocument/2006/relationships" xmlns:p="http://schemas.openxmlformats.org/presentationml/2006/main">
+  <p:cSld>
+    <p:spTree>
+      <p:nvGrpSpPr>
+        <p:cNvPr id="1" name=""/>
+        <p:cNvGrpSpPr/>
+        <p:nvPr/>
+      </p:nvGrpSpPr>
+      <p:grpSpPr>
+        <a:xfrm>
+          <a:off x="0" y="0"/>
+          <a:ext cx="0" cy="0"/>
+          <a:chOff x="0" y="0"/>
+          <a:chExt cx="0" cy="0"/>
+        </a:xfrm>
+      </p:grpSpPr>
+      <p:pic>
+        <p:nvPicPr>
+          <p:cNvPr id="4" name="Content Placeholder 3"/>
+          <p:cNvPicPr>
+            <a:picLocks noGrp="1" noChangeAspect="1"/>
+          </p:cNvPicPr>
+          <p:nvPr>
+            <p:ph idx="1"/>
+          </p:nvPr>
+        </p:nvPicPr>
+        <p:blipFill>
+          <a:blip r:embed="rId2">
+            <a:extLst>
+              <a:ext uri="{28A0092B-C50C-407E-A947-70E740481C1C}">
+                <a14:useLocalDpi xmlns:a14="http://schemas.microsoft.com/office/drawing/2010/main" val="0"/>
+              </a:ext>
+            </a:extLst>
+          </a:blip>
+          <a:stretch>
+            <a:fillRect/>
+          </a:stretch>
+        </p:blipFill>
+        <p:spPr>
+          <a:xfrm>
+            <a:off x="1614867" y="1638011"/>
+            <a:ext cx="8058524" cy="4624892"/>
+          </a:xfrm>
+        </p:spPr>
+      </p:pic>
+    </p:spTree>
+    <p:extLst>
+      <p:ext uri="{BB962C8B-B14F-4D97-AF65-F5344CB8AC3E}">
+        <p14:creationId xmlns:p14="http://schemas.microsoft.com/office/powerpoint/2010/main" val="372685131"/>
       </p:ext>
     </p:extLst>
   </p:cSld>
